--- a/Immagini.pptx
+++ b/Immagini.pptx
@@ -202,7 +202,7 @@
           <a:p>
             <a:fld id="{AC748179-9B71-45E0-951A-598F0EDE50A7}" type="datetimeFigureOut">
               <a:rPr lang="en-GB" smtClean="0"/>
-              <a:t>07/02/2019</a:t>
+              <a:t>10/02/2019</a:t>
             </a:fld>
             <a:endParaRPr lang="en-GB"/>
           </a:p>
@@ -690,7 +690,7 @@
           <a:p>
             <a:fld id="{015A8500-CF45-4E6E-98AB-6C6E6FB229FB}" type="datetimeFigureOut">
               <a:rPr lang="en-GB" smtClean="0"/>
-              <a:t>07/02/2019</a:t>
+              <a:t>10/02/2019</a:t>
             </a:fld>
             <a:endParaRPr lang="en-GB"/>
           </a:p>
@@ -860,7 +860,7 @@
           <a:p>
             <a:fld id="{015A8500-CF45-4E6E-98AB-6C6E6FB229FB}" type="datetimeFigureOut">
               <a:rPr lang="en-GB" smtClean="0"/>
-              <a:t>07/02/2019</a:t>
+              <a:t>10/02/2019</a:t>
             </a:fld>
             <a:endParaRPr lang="en-GB"/>
           </a:p>
@@ -1040,7 +1040,7 @@
           <a:p>
             <a:fld id="{015A8500-CF45-4E6E-98AB-6C6E6FB229FB}" type="datetimeFigureOut">
               <a:rPr lang="en-GB" smtClean="0"/>
-              <a:t>07/02/2019</a:t>
+              <a:t>10/02/2019</a:t>
             </a:fld>
             <a:endParaRPr lang="en-GB"/>
           </a:p>
@@ -1210,7 +1210,7 @@
           <a:p>
             <a:fld id="{015A8500-CF45-4E6E-98AB-6C6E6FB229FB}" type="datetimeFigureOut">
               <a:rPr lang="en-GB" smtClean="0"/>
-              <a:t>07/02/2019</a:t>
+              <a:t>10/02/2019</a:t>
             </a:fld>
             <a:endParaRPr lang="en-GB"/>
           </a:p>
@@ -1454,7 +1454,7 @@
           <a:p>
             <a:fld id="{015A8500-CF45-4E6E-98AB-6C6E6FB229FB}" type="datetimeFigureOut">
               <a:rPr lang="en-GB" smtClean="0"/>
-              <a:t>07/02/2019</a:t>
+              <a:t>10/02/2019</a:t>
             </a:fld>
             <a:endParaRPr lang="en-GB"/>
           </a:p>
@@ -1686,7 +1686,7 @@
           <a:p>
             <a:fld id="{015A8500-CF45-4E6E-98AB-6C6E6FB229FB}" type="datetimeFigureOut">
               <a:rPr lang="en-GB" smtClean="0"/>
-              <a:t>07/02/2019</a:t>
+              <a:t>10/02/2019</a:t>
             </a:fld>
             <a:endParaRPr lang="en-GB"/>
           </a:p>
@@ -2053,7 +2053,7 @@
           <a:p>
             <a:fld id="{015A8500-CF45-4E6E-98AB-6C6E6FB229FB}" type="datetimeFigureOut">
               <a:rPr lang="en-GB" smtClean="0"/>
-              <a:t>07/02/2019</a:t>
+              <a:t>10/02/2019</a:t>
             </a:fld>
             <a:endParaRPr lang="en-GB"/>
           </a:p>
@@ -2171,7 +2171,7 @@
           <a:p>
             <a:fld id="{015A8500-CF45-4E6E-98AB-6C6E6FB229FB}" type="datetimeFigureOut">
               <a:rPr lang="en-GB" smtClean="0"/>
-              <a:t>07/02/2019</a:t>
+              <a:t>10/02/2019</a:t>
             </a:fld>
             <a:endParaRPr lang="en-GB"/>
           </a:p>
@@ -2266,7 +2266,7 @@
           <a:p>
             <a:fld id="{015A8500-CF45-4E6E-98AB-6C6E6FB229FB}" type="datetimeFigureOut">
               <a:rPr lang="en-GB" smtClean="0"/>
-              <a:t>07/02/2019</a:t>
+              <a:t>10/02/2019</a:t>
             </a:fld>
             <a:endParaRPr lang="en-GB"/>
           </a:p>
@@ -2543,7 +2543,7 @@
           <a:p>
             <a:fld id="{015A8500-CF45-4E6E-98AB-6C6E6FB229FB}" type="datetimeFigureOut">
               <a:rPr lang="en-GB" smtClean="0"/>
-              <a:t>07/02/2019</a:t>
+              <a:t>10/02/2019</a:t>
             </a:fld>
             <a:endParaRPr lang="en-GB"/>
           </a:p>
@@ -2800,7 +2800,7 @@
           <a:p>
             <a:fld id="{015A8500-CF45-4E6E-98AB-6C6E6FB229FB}" type="datetimeFigureOut">
               <a:rPr lang="en-GB" smtClean="0"/>
-              <a:t>07/02/2019</a:t>
+              <a:t>10/02/2019</a:t>
             </a:fld>
             <a:endParaRPr lang="en-GB"/>
           </a:p>
@@ -3013,7 +3013,7 @@
           <a:p>
             <a:fld id="{015A8500-CF45-4E6E-98AB-6C6E6FB229FB}" type="datetimeFigureOut">
               <a:rPr lang="en-GB" smtClean="0"/>
-              <a:t>07/02/2019</a:t>
+              <a:t>10/02/2019</a:t>
             </a:fld>
             <a:endParaRPr lang="en-GB"/>
           </a:p>
@@ -4373,7 +4373,7 @@
           <p:nvPr>
             <p:extLst>
               <p:ext uri="{D42A27DB-BD31-4B8C-83A1-F6EECF244321}">
-                <p14:modId xmlns:p14="http://schemas.microsoft.com/office/powerpoint/2010/main" val="3245544017"/>
+                <p14:modId xmlns:p14="http://schemas.microsoft.com/office/powerpoint/2010/main" val="828654816"/>
               </p:ext>
             </p:extLst>
           </p:nvPr>
@@ -4480,7 +4480,8 @@
                     </a:lnB>
                     <a:solidFill>
                       <a:schemeClr val="accent5">
-                        <a:lumMod val="75000"/>
+                        <a:lumMod val="60000"/>
+                        <a:lumOff val="40000"/>
                       </a:schemeClr>
                     </a:solidFill>
                   </a:tcPr>
@@ -4540,7 +4541,8 @@
                     </a:lnB>
                     <a:solidFill>
                       <a:schemeClr val="accent5">
-                        <a:lumMod val="75000"/>
+                        <a:lumMod val="60000"/>
+                        <a:lumOff val="40000"/>
                       </a:schemeClr>
                     </a:solidFill>
                   </a:tcPr>
@@ -4600,7 +4602,8 @@
                     </a:lnB>
                     <a:solidFill>
                       <a:schemeClr val="accent5">
-                        <a:lumMod val="75000"/>
+                        <a:lumMod val="60000"/>
+                        <a:lumOff val="40000"/>
                       </a:schemeClr>
                     </a:solidFill>
                   </a:tcPr>
@@ -5018,7 +5021,7 @@
           <p:nvPr>
             <p:extLst>
               <p:ext uri="{D42A27DB-BD31-4B8C-83A1-F6EECF244321}">
-                <p14:modId xmlns:p14="http://schemas.microsoft.com/office/powerpoint/2010/main" val="3838536900"/>
+                <p14:modId xmlns:p14="http://schemas.microsoft.com/office/powerpoint/2010/main" val="330234412"/>
               </p:ext>
             </p:extLst>
           </p:nvPr>
@@ -5132,7 +5135,8 @@
                     </a:lnB>
                     <a:solidFill>
                       <a:schemeClr val="accent5">
-                        <a:lumMod val="75000"/>
+                        <a:lumMod val="60000"/>
+                        <a:lumOff val="40000"/>
                       </a:schemeClr>
                     </a:solidFill>
                   </a:tcPr>
@@ -5192,7 +5196,8 @@
                     </a:lnB>
                     <a:solidFill>
                       <a:schemeClr val="accent5">
-                        <a:lumMod val="75000"/>
+                        <a:lumMod val="60000"/>
+                        <a:lumOff val="40000"/>
                       </a:schemeClr>
                     </a:solidFill>
                   </a:tcPr>
@@ -5252,7 +5257,8 @@
                     </a:lnB>
                     <a:solidFill>
                       <a:schemeClr val="accent5">
-                        <a:lumMod val="75000"/>
+                        <a:lumMod val="60000"/>
+                        <a:lumOff val="40000"/>
                       </a:schemeClr>
                     </a:solidFill>
                   </a:tcPr>
@@ -5312,7 +5318,8 @@
                     </a:lnB>
                     <a:solidFill>
                       <a:schemeClr val="accent5">
-                        <a:lumMod val="75000"/>
+                        <a:lumMod val="60000"/>
+                        <a:lumOff val="40000"/>
                       </a:schemeClr>
                     </a:solidFill>
                   </a:tcPr>
@@ -5589,10 +5596,7 @@
                       <a:tailEnd type="none" w="med" len="med"/>
                     </a:lnL>
                     <a:solidFill>
-                      <a:schemeClr val="accent5">
-                        <a:lumMod val="20000"/>
-                        <a:lumOff val="80000"/>
-                      </a:schemeClr>
+                      <a:srgbClr val="DEEBF7"/>
                     </a:solidFill>
                   </a:tcPr>
                 </a:tc>
@@ -5953,7 +5957,7 @@
           <p:nvPr>
             <p:extLst>
               <p:ext uri="{D42A27DB-BD31-4B8C-83A1-F6EECF244321}">
-                <p14:modId xmlns:p14="http://schemas.microsoft.com/office/powerpoint/2010/main" val="426297582"/>
+                <p14:modId xmlns:p14="http://schemas.microsoft.com/office/powerpoint/2010/main" val="1528293017"/>
               </p:ext>
             </p:extLst>
           </p:nvPr>
@@ -5965,7 +5969,7 @@
         <a:graphic>
           <a:graphicData uri="http://schemas.openxmlformats.org/drawingml/2006/table">
             <a:tbl>
-              <a:tblPr firstRow="1" bandRow="1">
+              <a:tblPr firstRow="1">
                 <a:tableStyleId>{5C22544A-7EE6-4342-B048-85BDC9FD1C3A}</a:tableStyleId>
               </a:tblPr>
               <a:tblGrid>
@@ -6057,6 +6061,12 @@
                       <a:headEnd type="none" w="med" len="med"/>
                       <a:tailEnd type="none" w="med" len="med"/>
                     </a:lnB>
+                    <a:solidFill>
+                      <a:schemeClr val="accent5">
+                        <a:lumMod val="60000"/>
+                        <a:lumOff val="40000"/>
+                      </a:schemeClr>
+                    </a:solidFill>
                   </a:tcPr>
                 </a:tc>
                 <a:tc>
@@ -6117,6 +6127,12 @@
                       <a:headEnd type="none" w="med" len="med"/>
                       <a:tailEnd type="none" w="med" len="med"/>
                     </a:lnB>
+                    <a:solidFill>
+                      <a:schemeClr val="accent5">
+                        <a:lumMod val="60000"/>
+                        <a:lumOff val="40000"/>
+                      </a:schemeClr>
+                    </a:solidFill>
                   </a:tcPr>
                 </a:tc>
                 <a:tc>
@@ -6177,6 +6193,12 @@
                       <a:headEnd type="none" w="med" len="med"/>
                       <a:tailEnd type="none" w="med" len="med"/>
                     </a:lnB>
+                    <a:solidFill>
+                      <a:schemeClr val="accent5">
+                        <a:lumMod val="60000"/>
+                        <a:lumOff val="40000"/>
+                      </a:schemeClr>
+                    </a:solidFill>
                   </a:tcPr>
                 </a:tc>
                 <a:tc>
@@ -6237,6 +6259,12 @@
                       <a:headEnd type="none" w="med" len="med"/>
                       <a:tailEnd type="none" w="med" len="med"/>
                     </a:lnB>
+                    <a:solidFill>
+                      <a:schemeClr val="accent5">
+                        <a:lumMod val="60000"/>
+                        <a:lumOff val="40000"/>
+                      </a:schemeClr>
+                    </a:solidFill>
                   </a:tcPr>
                 </a:tc>
                 <a:extLst>
@@ -7254,7 +7282,7 @@
           <p:nvPr>
             <p:extLst>
               <p:ext uri="{D42A27DB-BD31-4B8C-83A1-F6EECF244321}">
-                <p14:modId xmlns:p14="http://schemas.microsoft.com/office/powerpoint/2010/main" val="453212641"/>
+                <p14:modId xmlns:p14="http://schemas.microsoft.com/office/powerpoint/2010/main" val="2307712655"/>
               </p:ext>
             </p:extLst>
           </p:nvPr>
@@ -7266,7 +7294,7 @@
         <a:graphic>
           <a:graphicData uri="http://schemas.openxmlformats.org/drawingml/2006/table">
             <a:tbl>
-              <a:tblPr firstRow="1" bandRow="1">
+              <a:tblPr firstRow="1">
                 <a:tableStyleId>{5C22544A-7EE6-4342-B048-85BDC9FD1C3A}</a:tableStyleId>
               </a:tblPr>
               <a:tblGrid>
@@ -7358,6 +7386,12 @@
                       <a:headEnd type="none" w="med" len="med"/>
                       <a:tailEnd type="none" w="med" len="med"/>
                     </a:lnB>
+                    <a:solidFill>
+                      <a:schemeClr val="accent5">
+                        <a:lumMod val="60000"/>
+                        <a:lumOff val="40000"/>
+                      </a:schemeClr>
+                    </a:solidFill>
                   </a:tcPr>
                 </a:tc>
                 <a:tc>
@@ -7418,6 +7452,12 @@
                       <a:headEnd type="none" w="med" len="med"/>
                       <a:tailEnd type="none" w="med" len="med"/>
                     </a:lnB>
+                    <a:solidFill>
+                      <a:schemeClr val="accent5">
+                        <a:lumMod val="60000"/>
+                        <a:lumOff val="40000"/>
+                      </a:schemeClr>
+                    </a:solidFill>
                   </a:tcPr>
                 </a:tc>
                 <a:tc>
@@ -7478,6 +7518,12 @@
                       <a:headEnd type="none" w="med" len="med"/>
                       <a:tailEnd type="none" w="med" len="med"/>
                     </a:lnB>
+                    <a:solidFill>
+                      <a:schemeClr val="accent5">
+                        <a:lumMod val="60000"/>
+                        <a:lumOff val="40000"/>
+                      </a:schemeClr>
+                    </a:solidFill>
                   </a:tcPr>
                 </a:tc>
                 <a:tc>
@@ -7538,6 +7584,12 @@
                       <a:headEnd type="none" w="med" len="med"/>
                       <a:tailEnd type="none" w="med" len="med"/>
                     </a:lnB>
+                    <a:solidFill>
+                      <a:schemeClr val="accent5">
+                        <a:lumMod val="60000"/>
+                        <a:lumOff val="40000"/>
+                      </a:schemeClr>
+                    </a:solidFill>
                   </a:tcPr>
                 </a:tc>
                 <a:extLst>

--- a/Immagini.pptx
+++ b/Immagini.pptx
@@ -5957,7 +5957,7 @@
           <p:nvPr>
             <p:extLst>
               <p:ext uri="{D42A27DB-BD31-4B8C-83A1-F6EECF244321}">
-                <p14:modId xmlns:p14="http://schemas.microsoft.com/office/powerpoint/2010/main" val="1528293017"/>
+                <p14:modId xmlns:p14="http://schemas.microsoft.com/office/powerpoint/2010/main" val="4251761499"/>
               </p:ext>
             </p:extLst>
           </p:nvPr>
@@ -6391,7 +6391,7 @@
                       </a:r>
                       <a:r>
                         <a:rPr lang="it-IT" sz="1100" b="0" dirty="0"/>
-                        <a:t> / </a:t>
+                        <a:t>, </a:t>
                       </a:r>
                       <a:r>
                         <a:rPr lang="it-IT" sz="1100" b="0" dirty="0" err="1"/>
@@ -7282,14 +7282,14 @@
           <p:nvPr>
             <p:extLst>
               <p:ext uri="{D42A27DB-BD31-4B8C-83A1-F6EECF244321}">
-                <p14:modId xmlns:p14="http://schemas.microsoft.com/office/powerpoint/2010/main" val="2307712655"/>
+                <p14:modId xmlns:p14="http://schemas.microsoft.com/office/powerpoint/2010/main" val="4065309634"/>
               </p:ext>
             </p:extLst>
           </p:nvPr>
         </p:nvGraphicFramePr>
         <p:xfrm>
           <a:off x="252413" y="9205909"/>
-          <a:ext cx="6300784" cy="1904861"/>
+          <a:ext cx="6300784" cy="2072501"/>
         </p:xfrm>
         <a:graphic>
           <a:graphicData uri="http://schemas.openxmlformats.org/drawingml/2006/table">
@@ -7853,7 +7853,7 @@
                       <a:pPr algn="ctr"/>
                       <a:r>
                         <a:rPr lang="en-GB" sz="1100" b="0" dirty="0"/>
-                        <a:t>The dolphin wears a bib and has a knife and a fork in his hand. A table appears with a dish on it.</a:t>
+                        <a:t>The dolphin wears a bib and has a knife and a fork in his hand. A table with a dish on and, 4 food buckets will appears </a:t>
                       </a:r>
                       <a:endParaRPr lang="it-IT" sz="1100" b="0" dirty="0"/>
                     </a:p>
